--- a/Amogus Life.pptx
+++ b/Amogus Life.pptx
@@ -3205,6 +3205,99 @@
           <a:noFill/>
         </p:spPr>
       </p:pic>
+      <p:sp>
+        <p:nvSpPr>
+          <p:cNvPr id="8" name="TextBox 7"/>
+          <p:cNvSpPr txBox="1"/>
+          <p:nvPr/>
+        </p:nvSpPr>
+        <p:spPr>
+          <a:xfrm>
+            <a:off x="357158" y="3714752"/>
+            <a:ext cx="6286544" cy="646331"/>
+          </a:xfrm>
+          <a:prstGeom prst="rect">
+            <a:avLst/>
+          </a:prstGeom>
+          <a:noFill/>
+        </p:spPr>
+        <p:txBody>
+          <a:bodyPr wrap="square" rtlCol="0">
+            <a:spAutoFit/>
+          </a:bodyPr>
+          <a:lstStyle/>
+          <a:p>
+            <a:r>
+              <a:rPr lang="ru-RU" dirty="0" smtClean="0"/>
+              <a:t>Ходьба осуществляется по нажатиям на стрелочки ВВЕРХ ВНИЗ ВЛЕВО ВПРАВО.</a:t>
+            </a:r>
+          </a:p>
+        </p:txBody>
+      </p:sp>
+      <p:sp>
+        <p:nvSpPr>
+          <p:cNvPr id="9" name="TextBox 8"/>
+          <p:cNvSpPr txBox="1"/>
+          <p:nvPr/>
+        </p:nvSpPr>
+        <p:spPr>
+          <a:xfrm>
+            <a:off x="428596" y="4500570"/>
+            <a:ext cx="5715040" cy="646331"/>
+          </a:xfrm>
+          <a:prstGeom prst="rect">
+            <a:avLst/>
+          </a:prstGeom>
+          <a:noFill/>
+        </p:spPr>
+        <p:txBody>
+          <a:bodyPr wrap="square" rtlCol="0">
+            <a:spAutoFit/>
+          </a:bodyPr>
+          <a:lstStyle/>
+          <a:p>
+            <a:r>
+              <a:rPr lang="ru-RU" dirty="0" smtClean="0"/>
+              <a:t>Враги стреляют по игроку снося ему по 10 очков здоровья.</a:t>
+            </a:r>
+            <a:endParaRPr lang="ru-RU" dirty="0"/>
+          </a:p>
+        </p:txBody>
+      </p:sp>
+      <p:sp>
+        <p:nvSpPr>
+          <p:cNvPr id="10" name="TextBox 9"/>
+          <p:cNvSpPr txBox="1"/>
+          <p:nvPr/>
+        </p:nvSpPr>
+        <p:spPr>
+          <a:xfrm>
+            <a:off x="642910" y="5572140"/>
+            <a:ext cx="5072098" cy="646331"/>
+          </a:xfrm>
+          <a:prstGeom prst="rect">
+            <a:avLst/>
+          </a:prstGeom>
+          <a:noFill/>
+        </p:spPr>
+        <p:txBody>
+          <a:bodyPr wrap="square" rtlCol="0">
+            <a:spAutoFit/>
+          </a:bodyPr>
+          <a:lstStyle/>
+          <a:p>
+            <a:r>
+              <a:rPr lang="ru-RU" dirty="0" smtClean="0"/>
+              <a:t>Есть блоки восстановления боеприпасов </a:t>
+            </a:r>
+            <a:r>
+              <a:rPr lang="ru-RU" smtClean="0"/>
+              <a:t>и здоровья.</a:t>
+            </a:r>
+            <a:endParaRPr lang="ru-RU"/>
+          </a:p>
+        </p:txBody>
+      </p:sp>
     </p:spTree>
   </p:cSld>
   <p:clrMapOvr>
